--- a/totem.pptx
+++ b/totem.pptx
@@ -5,13 +5,12 @@
     <p:sldMasterId id="2147483648" r:id="rId2"/>
   </p:sldMasterIdLst>
   <p:notesMasterIdLst>
-    <p:notesMasterId r:id="rId7"/>
+    <p:notesMasterId r:id="rId6"/>
   </p:notesMasterIdLst>
   <p:sldIdLst>
-    <p:sldId id="256" r:id="rId3"/>
-    <p:sldId id="257" r:id="rId4"/>
-    <p:sldId id="258" r:id="rId5"/>
-    <p:sldId id="260" r:id="rId6"/>
+    <p:sldId id="257" r:id="rId3"/>
+    <p:sldId id="258" r:id="rId4"/>
+    <p:sldId id="260" r:id="rId5"/>
   </p:sldIdLst>
   <p:sldSz cx="12192000" cy="6858000"/>
   <p:notesSz cx="6858000" cy="9144000"/>
@@ -200,7 +199,7 @@
           <a:p>
             <a:fld id="{7E9BAA0A-C0A9-4D34-9A00-3936E7A1D44C}" type="datetimeFigureOut">
               <a:rPr lang="en-US" smtClean="0"/>
-              <a:t>7/10/2018</a:t>
+              <a:t>7/25/2018</a:t>
             </a:fld>
             <a:endParaRPr lang="en-US"/>
           </a:p>
@@ -533,7 +532,7 @@
           <a:p>
             <a:fld id="{0A9908A3-736D-4C16-8892-D61BC9D4FFE7}" type="slidenum">
               <a:rPr lang="en-US" smtClean="0"/>
-              <a:t>3</a:t>
+              <a:t>2</a:t>
             </a:fld>
             <a:endParaRPr lang="en-US"/>
           </a:p>
@@ -683,7 +682,7 @@
           <a:p>
             <a:fld id="{49EE2B3B-DCAB-4B06-B8A8-3F4D17FA307F}" type="datetimeFigureOut">
               <a:rPr lang="en-US" smtClean="0"/>
-              <a:t>7/10/2018</a:t>
+              <a:t>7/25/2018</a:t>
             </a:fld>
             <a:endParaRPr lang="en-US"/>
           </a:p>
@@ -935,7 +934,7 @@
           <a:p>
             <a:fld id="{49EE2B3B-DCAB-4B06-B8A8-3F4D17FA307F}" type="datetimeFigureOut">
               <a:rPr lang="en-US" smtClean="0"/>
-              <a:t>7/10/2018</a:t>
+              <a:t>7/25/2018</a:t>
             </a:fld>
             <a:endParaRPr lang="en-US"/>
           </a:p>
@@ -1115,7 +1114,7 @@
           <a:p>
             <a:fld id="{49EE2B3B-DCAB-4B06-B8A8-3F4D17FA307F}" type="datetimeFigureOut">
               <a:rPr lang="en-US" smtClean="0"/>
-              <a:t>7/10/2018</a:t>
+              <a:t>7/25/2018</a:t>
             </a:fld>
             <a:endParaRPr lang="en-US"/>
           </a:p>
@@ -1285,7 +1284,7 @@
           <a:p>
             <a:fld id="{49EE2B3B-DCAB-4B06-B8A8-3F4D17FA307F}" type="datetimeFigureOut">
               <a:rPr lang="en-US" smtClean="0"/>
-              <a:t>7/10/2018</a:t>
+              <a:t>7/25/2018</a:t>
             </a:fld>
             <a:endParaRPr lang="en-US"/>
           </a:p>
@@ -1531,7 +1530,7 @@
           <a:p>
             <a:fld id="{49EE2B3B-DCAB-4B06-B8A8-3F4D17FA307F}" type="datetimeFigureOut">
               <a:rPr lang="en-US" smtClean="0"/>
-              <a:t>7/10/2018</a:t>
+              <a:t>7/25/2018</a:t>
             </a:fld>
             <a:endParaRPr lang="en-US"/>
           </a:p>
@@ -1763,7 +1762,7 @@
           <a:p>
             <a:fld id="{49EE2B3B-DCAB-4B06-B8A8-3F4D17FA307F}" type="datetimeFigureOut">
               <a:rPr lang="en-US" smtClean="0"/>
-              <a:t>7/10/2018</a:t>
+              <a:t>7/25/2018</a:t>
             </a:fld>
             <a:endParaRPr lang="en-US"/>
           </a:p>
@@ -2130,7 +2129,7 @@
           <a:p>
             <a:fld id="{49EE2B3B-DCAB-4B06-B8A8-3F4D17FA307F}" type="datetimeFigureOut">
               <a:rPr lang="en-US" smtClean="0"/>
-              <a:t>7/10/2018</a:t>
+              <a:t>7/25/2018</a:t>
             </a:fld>
             <a:endParaRPr lang="en-US"/>
           </a:p>
@@ -2248,7 +2247,7 @@
           <a:p>
             <a:fld id="{49EE2B3B-DCAB-4B06-B8A8-3F4D17FA307F}" type="datetimeFigureOut">
               <a:rPr lang="en-US" smtClean="0"/>
-              <a:t>7/10/2018</a:t>
+              <a:t>7/25/2018</a:t>
             </a:fld>
             <a:endParaRPr lang="en-US"/>
           </a:p>
@@ -2343,7 +2342,7 @@
           <a:p>
             <a:fld id="{49EE2B3B-DCAB-4B06-B8A8-3F4D17FA307F}" type="datetimeFigureOut">
               <a:rPr lang="en-US" smtClean="0"/>
-              <a:t>7/10/2018</a:t>
+              <a:t>7/25/2018</a:t>
             </a:fld>
             <a:endParaRPr lang="en-US"/>
           </a:p>
@@ -2620,7 +2619,7 @@
           <a:p>
             <a:fld id="{49EE2B3B-DCAB-4B06-B8A8-3F4D17FA307F}" type="datetimeFigureOut">
               <a:rPr lang="en-US" smtClean="0"/>
-              <a:t>7/10/2018</a:t>
+              <a:t>7/25/2018</a:t>
             </a:fld>
             <a:endParaRPr lang="en-US"/>
           </a:p>
@@ -2873,7 +2872,7 @@
           <a:p>
             <a:fld id="{49EE2B3B-DCAB-4B06-B8A8-3F4D17FA307F}" type="datetimeFigureOut">
               <a:rPr lang="en-US" smtClean="0"/>
-              <a:t>7/10/2018</a:t>
+              <a:t>7/25/2018</a:t>
             </a:fld>
             <a:endParaRPr lang="en-US"/>
           </a:p>
@@ -3086,7 +3085,7 @@
           <a:p>
             <a:fld id="{49EE2B3B-DCAB-4B06-B8A8-3F4D17FA307F}" type="datetimeFigureOut">
               <a:rPr lang="en-US" smtClean="0"/>
-              <a:t>7/10/2018</a:t>
+              <a:t>7/25/2018</a:t>
             </a:fld>
             <a:endParaRPr lang="en-US"/>
           </a:p>
@@ -3614,60 +3613,6 @@
           <p:nvPr/>
         </p:nvPicPr>
         <p:blipFill>
-          <a:blip r:embed="rId2"/>
-          <a:stretch>
-            <a:fillRect/>
-          </a:stretch>
-        </p:blipFill>
-        <p:spPr>
-          <a:xfrm>
-            <a:off x="2943225" y="900112"/>
-            <a:ext cx="6305550" cy="5057775"/>
-          </a:xfrm>
-          <a:prstGeom prst="rect">
-            <a:avLst/>
-          </a:prstGeom>
-        </p:spPr>
-      </p:pic>
-    </p:spTree>
-    <p:extLst>
-      <p:ext uri="{BB962C8B-B14F-4D97-AF65-F5344CB8AC3E}">
-        <p14:creationId xmlns:p14="http://schemas.microsoft.com/office/powerpoint/2010/main" val="3200454626"/>
-      </p:ext>
-    </p:extLst>
-  </p:cSld>
-  <p:clrMapOvr>
-    <a:masterClrMapping/>
-  </p:clrMapOvr>
-</p:sld>
-</file>
-
-<file path=ppt/slides/slide2.xml><?xml version="1.0" encoding="utf-8"?>
-<p:sld xmlns:a="http://schemas.openxmlformats.org/drawingml/2006/main" xmlns:r="http://schemas.openxmlformats.org/officeDocument/2006/relationships" xmlns:p="http://schemas.openxmlformats.org/presentationml/2006/main">
-  <p:cSld>
-    <p:spTree>
-      <p:nvGrpSpPr>
-        <p:cNvPr id="1" name=""/>
-        <p:cNvGrpSpPr/>
-        <p:nvPr/>
-      </p:nvGrpSpPr>
-      <p:grpSpPr>
-        <a:xfrm>
-          <a:off x="0" y="0"/>
-          <a:ext cx="0" cy="0"/>
-          <a:chOff x="0" y="0"/>
-          <a:chExt cx="0" cy="0"/>
-        </a:xfrm>
-      </p:grpSpPr>
-      <p:pic>
-        <p:nvPicPr>
-          <p:cNvPr id="2" name="Picture 1"/>
-          <p:cNvPicPr>
-            <a:picLocks noChangeAspect="1"/>
-          </p:cNvPicPr>
-          <p:nvPr/>
-        </p:nvPicPr>
-        <p:blipFill>
           <a:blip r:embed="rId2">
             <a:extLst>
               <a:ext uri="{28A0092B-C50C-407E-A947-70E740481C1C}">
@@ -4197,7 +4142,7 @@
 </p:sld>
 </file>
 
-<file path=ppt/slides/slide3.xml><?xml version="1.0" encoding="utf-8"?>
+<file path=ppt/slides/slide2.xml><?xml version="1.0" encoding="utf-8"?>
 <p:sld xmlns:a="http://schemas.openxmlformats.org/drawingml/2006/main" xmlns:r="http://schemas.openxmlformats.org/officeDocument/2006/relationships" xmlns:p="http://schemas.openxmlformats.org/presentationml/2006/main">
   <p:cSld>
     <p:bg>
@@ -7970,7 +7915,7 @@
 </p:sld>
 </file>
 
-<file path=ppt/slides/slide4.xml><?xml version="1.0" encoding="utf-8"?>
+<file path=ppt/slides/slide3.xml><?xml version="1.0" encoding="utf-8"?>
 <p:sld xmlns:a="http://schemas.openxmlformats.org/drawingml/2006/main" xmlns:r="http://schemas.openxmlformats.org/officeDocument/2006/relationships" xmlns:p="http://schemas.openxmlformats.org/presentationml/2006/main">
   <p:cSld>
     <p:spTree>
@@ -7987,6 +7932,2432 @@
           <a:chExt cx="0" cy="0"/>
         </a:xfrm>
       </p:grpSpPr>
+      <p:graphicFrame>
+        <p:nvGraphicFramePr>
+          <p:cNvPr id="2" name="Table 1"/>
+          <p:cNvGraphicFramePr>
+            <a:graphicFrameLocks noGrp="1"/>
+          </p:cNvGraphicFramePr>
+          <p:nvPr>
+            <p:extLst>
+              <p:ext uri="{D42A27DB-BD31-4B8C-83A1-F6EECF244321}">
+                <p14:modId xmlns:p14="http://schemas.microsoft.com/office/powerpoint/2010/main" val="2030337696"/>
+              </p:ext>
+            </p:extLst>
+          </p:nvPr>
+        </p:nvGraphicFramePr>
+        <p:xfrm>
+          <a:off x="1106312" y="1509888"/>
+          <a:ext cx="9290023" cy="3751864"/>
+        </p:xfrm>
+        <a:graphic>
+          <a:graphicData uri="http://schemas.openxmlformats.org/drawingml/2006/table">
+            <a:tbl>
+              <a:tblPr>
+                <a:tableStyleId>{5C22544A-7EE6-4342-B048-85BDC9FD1C3A}</a:tableStyleId>
+              </a:tblPr>
+              <a:tblGrid>
+                <a:gridCol w="433544">
+                  <a:extLst>
+                    <a:ext uri="{9D8B030D-6E8A-4147-A177-3AD203B41FA5}">
+                      <a16:colId xmlns:a16="http://schemas.microsoft.com/office/drawing/2014/main" val="971577352"/>
+                    </a:ext>
+                  </a:extLst>
+                </a:gridCol>
+                <a:gridCol w="1183704">
+                  <a:extLst>
+                    <a:ext uri="{9D8B030D-6E8A-4147-A177-3AD203B41FA5}">
+                      <a16:colId xmlns:a16="http://schemas.microsoft.com/office/drawing/2014/main" val="1775504295"/>
+                    </a:ext>
+                  </a:extLst>
+                </a:gridCol>
+                <a:gridCol w="844360">
+                  <a:extLst>
+                    <a:ext uri="{9D8B030D-6E8A-4147-A177-3AD203B41FA5}">
+                      <a16:colId xmlns:a16="http://schemas.microsoft.com/office/drawing/2014/main" val="811782519"/>
+                    </a:ext>
+                  </a:extLst>
+                </a:gridCol>
+                <a:gridCol w="1014730">
+                  <a:extLst>
+                    <a:ext uri="{9D8B030D-6E8A-4147-A177-3AD203B41FA5}">
+                      <a16:colId xmlns:a16="http://schemas.microsoft.com/office/drawing/2014/main" val="1978821700"/>
+                    </a:ext>
+                  </a:extLst>
+                </a:gridCol>
+                <a:gridCol w="1034034">
+                  <a:extLst>
+                    <a:ext uri="{9D8B030D-6E8A-4147-A177-3AD203B41FA5}">
+                      <a16:colId xmlns:a16="http://schemas.microsoft.com/office/drawing/2014/main" val="1950707334"/>
+                    </a:ext>
+                  </a:extLst>
+                </a:gridCol>
+                <a:gridCol w="1034606">
+                  <a:extLst>
+                    <a:ext uri="{9D8B030D-6E8A-4147-A177-3AD203B41FA5}">
+                      <a16:colId xmlns:a16="http://schemas.microsoft.com/office/drawing/2014/main" val="1522670920"/>
+                    </a:ext>
+                  </a:extLst>
+                </a:gridCol>
+                <a:gridCol w="1000442">
+                  <a:extLst>
+                    <a:ext uri="{9D8B030D-6E8A-4147-A177-3AD203B41FA5}">
+                      <a16:colId xmlns:a16="http://schemas.microsoft.com/office/drawing/2014/main" val="3718663217"/>
+                    </a:ext>
+                  </a:extLst>
+                </a:gridCol>
+                <a:gridCol w="944568">
+                  <a:extLst>
+                    <a:ext uri="{9D8B030D-6E8A-4147-A177-3AD203B41FA5}">
+                      <a16:colId xmlns:a16="http://schemas.microsoft.com/office/drawing/2014/main" val="203916557"/>
+                    </a:ext>
+                  </a:extLst>
+                </a:gridCol>
+                <a:gridCol w="895668">
+                  <a:extLst>
+                    <a:ext uri="{9D8B030D-6E8A-4147-A177-3AD203B41FA5}">
+                      <a16:colId xmlns:a16="http://schemas.microsoft.com/office/drawing/2014/main" val="4055479424"/>
+                    </a:ext>
+                  </a:extLst>
+                </a:gridCol>
+                <a:gridCol w="904367">
+                  <a:extLst>
+                    <a:ext uri="{9D8B030D-6E8A-4147-A177-3AD203B41FA5}">
+                      <a16:colId xmlns:a16="http://schemas.microsoft.com/office/drawing/2014/main" val="3780533967"/>
+                    </a:ext>
+                  </a:extLst>
+                </a:gridCol>
+              </a:tblGrid>
+              <a:tr h="370840">
+                <a:tc>
+                  <a:txBody>
+                    <a:bodyPr/>
+                    <a:lstStyle/>
+                    <a:p>
+                      <a:endParaRPr lang="en-US" dirty="0">
+                        <a:solidFill>
+                          <a:schemeClr val="bg1"/>
+                        </a:solidFill>
+                      </a:endParaRPr>
+                    </a:p>
+                  </a:txBody>
+                  <a:tcPr>
+                    <a:solidFill>
+                      <a:schemeClr val="tx1"/>
+                    </a:solidFill>
+                  </a:tcPr>
+                </a:tc>
+                <a:tc gridSpan="2">
+                  <a:txBody>
+                    <a:bodyPr/>
+                    <a:lstStyle/>
+                    <a:p>
+                      <a:pPr algn="r"/>
+                      <a:r>
+                        <a:rPr lang="en-US" b="0" dirty="0" smtClean="0">
+                          <a:solidFill>
+                            <a:schemeClr val="bg1"/>
+                          </a:solidFill>
+                        </a:rPr>
+                        <a:t>ISO 5</a:t>
+                      </a:r>
+                      <a:endParaRPr lang="en-US" b="0" dirty="0">
+                        <a:solidFill>
+                          <a:schemeClr val="bg1"/>
+                        </a:solidFill>
+                      </a:endParaRPr>
+                    </a:p>
+                  </a:txBody>
+                  <a:tcPr>
+                    <a:lnB w="12700" cap="flat" cmpd="sng" algn="ctr">
+                      <a:solidFill>
+                        <a:schemeClr val="tx1"/>
+                      </a:solidFill>
+                      <a:prstDash val="solid"/>
+                      <a:round/>
+                      <a:headEnd type="none" w="med" len="med"/>
+                      <a:tailEnd type="none" w="med" len="med"/>
+                    </a:lnB>
+                    <a:solidFill>
+                      <a:schemeClr val="tx1"/>
+                    </a:solidFill>
+                  </a:tcPr>
+                </a:tc>
+                <a:tc hMerge="1">
+                  <a:txBody>
+                    <a:bodyPr/>
+                    <a:lstStyle/>
+                    <a:p>
+                      <a:endParaRPr lang="en-US"/>
+                    </a:p>
+                  </a:txBody>
+                  <a:tcPr>
+                    <a:solidFill>
+                      <a:srgbClr val="92D050"/>
+                    </a:solidFill>
+                  </a:tcPr>
+                </a:tc>
+                <a:tc gridSpan="6">
+                  <a:txBody>
+                    <a:bodyPr/>
+                    <a:lstStyle/>
+                    <a:p>
+                      <a:pPr algn="r"/>
+                      <a:r>
+                        <a:rPr lang="en-US" dirty="0" smtClean="0">
+                          <a:solidFill>
+                            <a:schemeClr val="bg1"/>
+                          </a:solidFill>
+                        </a:rPr>
+                        <a:t>ISO 6</a:t>
+                      </a:r>
+                      <a:endParaRPr lang="en-US" dirty="0">
+                        <a:solidFill>
+                          <a:schemeClr val="bg1"/>
+                        </a:solidFill>
+                      </a:endParaRPr>
+                    </a:p>
+                  </a:txBody>
+                  <a:tcPr>
+                    <a:lnB w="12700" cap="flat" cmpd="sng" algn="ctr">
+                      <a:solidFill>
+                        <a:schemeClr val="tx1"/>
+                      </a:solidFill>
+                      <a:prstDash val="solid"/>
+                      <a:round/>
+                      <a:headEnd type="none" w="med" len="med"/>
+                      <a:tailEnd type="none" w="med" len="med"/>
+                    </a:lnB>
+                    <a:solidFill>
+                      <a:schemeClr val="tx1"/>
+                    </a:solidFill>
+                  </a:tcPr>
+                </a:tc>
+                <a:tc hMerge="1">
+                  <a:txBody>
+                    <a:bodyPr/>
+                    <a:lstStyle/>
+                    <a:p>
+                      <a:endParaRPr lang="en-US"/>
+                    </a:p>
+                  </a:txBody>
+                  <a:tcPr>
+                    <a:solidFill>
+                      <a:srgbClr val="92D050"/>
+                    </a:solidFill>
+                  </a:tcPr>
+                </a:tc>
+                <a:tc hMerge="1">
+                  <a:txBody>
+                    <a:bodyPr/>
+                    <a:lstStyle/>
+                    <a:p>
+                      <a:endParaRPr lang="en-US"/>
+                    </a:p>
+                  </a:txBody>
+                  <a:tcPr/>
+                </a:tc>
+                <a:tc hMerge="1">
+                  <a:txBody>
+                    <a:bodyPr/>
+                    <a:lstStyle/>
+                    <a:p>
+                      <a:endParaRPr lang="en-US"/>
+                    </a:p>
+                  </a:txBody>
+                  <a:tcPr>
+                    <a:solidFill>
+                      <a:srgbClr val="92D050"/>
+                    </a:solidFill>
+                  </a:tcPr>
+                </a:tc>
+                <a:tc hMerge="1">
+                  <a:txBody>
+                    <a:bodyPr/>
+                    <a:lstStyle/>
+                    <a:p>
+                      <a:endParaRPr lang="en-US"/>
+                    </a:p>
+                  </a:txBody>
+                  <a:tcPr/>
+                </a:tc>
+                <a:tc hMerge="1">
+                  <a:txBody>
+                    <a:bodyPr/>
+                    <a:lstStyle/>
+                    <a:p>
+                      <a:endParaRPr lang="en-US"/>
+                    </a:p>
+                  </a:txBody>
+                  <a:tcPr>
+                    <a:solidFill>
+                      <a:srgbClr val="92D050"/>
+                    </a:solidFill>
+                  </a:tcPr>
+                </a:tc>
+                <a:tc>
+                  <a:txBody>
+                    <a:bodyPr/>
+                    <a:lstStyle/>
+                    <a:p>
+                      <a:pPr algn="r"/>
+                      <a:r>
+                        <a:rPr lang="en-US" dirty="0" smtClean="0">
+                          <a:solidFill>
+                            <a:schemeClr val="bg1"/>
+                          </a:solidFill>
+                        </a:rPr>
+                        <a:t>ISO 7</a:t>
+                      </a:r>
+                      <a:endParaRPr lang="en-US" dirty="0">
+                        <a:solidFill>
+                          <a:schemeClr val="bg1"/>
+                        </a:solidFill>
+                      </a:endParaRPr>
+                    </a:p>
+                  </a:txBody>
+                  <a:tcPr>
+                    <a:lnB w="12700" cap="flat" cmpd="sng" algn="ctr">
+                      <a:solidFill>
+                        <a:schemeClr val="tx1"/>
+                      </a:solidFill>
+                      <a:prstDash val="solid"/>
+                      <a:round/>
+                      <a:headEnd type="none" w="med" len="med"/>
+                      <a:tailEnd type="none" w="med" len="med"/>
+                    </a:lnB>
+                    <a:solidFill>
+                      <a:schemeClr val="tx1"/>
+                    </a:solidFill>
+                  </a:tcPr>
+                </a:tc>
+                <a:extLst>
+                  <a:ext uri="{0D108BD9-81ED-4DB2-BD59-A6C34878D82A}">
+                    <a16:rowId xmlns:a16="http://schemas.microsoft.com/office/drawing/2014/main" val="2642680377"/>
+                  </a:ext>
+                </a:extLst>
+              </a:tr>
+              <a:tr h="501228">
+                <a:tc rowSpan="3">
+                  <a:txBody>
+                    <a:bodyPr/>
+                    <a:lstStyle/>
+                    <a:p>
+                      <a:pPr algn="ctr"/>
+                      <a:r>
+                        <a:rPr lang="en-US" dirty="0" smtClean="0">
+                          <a:solidFill>
+                            <a:schemeClr val="bg1"/>
+                          </a:solidFill>
+                        </a:rPr>
+                        <a:t>Technology</a:t>
+                      </a:r>
+                      <a:endParaRPr lang="en-US" dirty="0">
+                        <a:solidFill>
+                          <a:schemeClr val="bg1"/>
+                        </a:solidFill>
+                      </a:endParaRPr>
+                    </a:p>
+                  </a:txBody>
+                  <a:tcPr vert="vert270">
+                    <a:lnR w="12700" cap="flat" cmpd="sng" algn="ctr">
+                      <a:solidFill>
+                        <a:schemeClr val="tx1"/>
+                      </a:solidFill>
+                      <a:prstDash val="solid"/>
+                      <a:round/>
+                      <a:headEnd type="none" w="med" len="med"/>
+                      <a:tailEnd type="none" w="med" len="med"/>
+                    </a:lnR>
+                    <a:solidFill>
+                      <a:schemeClr val="tx1"/>
+                    </a:solidFill>
+                  </a:tcPr>
+                </a:tc>
+                <a:tc gridSpan="9">
+                  <a:txBody>
+                    <a:bodyPr/>
+                    <a:lstStyle/>
+                    <a:p>
+                      <a:pPr algn="r"/>
+                      <a:r>
+                        <a:rPr lang="en-US" dirty="0" smtClean="0"/>
+                        <a:t>DEBE</a:t>
+                      </a:r>
+                      <a:endParaRPr lang="en-US" dirty="0"/>
+                    </a:p>
+                  </a:txBody>
+                  <a:tcPr anchor="ctr">
+                    <a:lnL w="12700" cap="flat" cmpd="sng" algn="ctr">
+                      <a:solidFill>
+                        <a:schemeClr val="tx1"/>
+                      </a:solidFill>
+                      <a:prstDash val="solid"/>
+                      <a:round/>
+                      <a:headEnd type="none" w="med" len="med"/>
+                      <a:tailEnd type="none" w="med" len="med"/>
+                    </a:lnL>
+                    <a:lnR w="12700" cap="flat" cmpd="sng" algn="ctr">
+                      <a:solidFill>
+                        <a:schemeClr val="tx1"/>
+                      </a:solidFill>
+                      <a:prstDash val="solid"/>
+                      <a:round/>
+                      <a:headEnd type="none" w="med" len="med"/>
+                      <a:tailEnd type="none" w="med" len="med"/>
+                    </a:lnR>
+                    <a:lnT w="12700" cap="flat" cmpd="sng" algn="ctr">
+                      <a:solidFill>
+                        <a:schemeClr val="tx1"/>
+                      </a:solidFill>
+                      <a:prstDash val="solid"/>
+                      <a:round/>
+                      <a:headEnd type="none" w="med" len="med"/>
+                      <a:tailEnd type="none" w="med" len="med"/>
+                    </a:lnT>
+                    <a:lnB w="12700" cap="flat" cmpd="sng" algn="ctr">
+                      <a:solidFill>
+                        <a:schemeClr val="tx1"/>
+                      </a:solidFill>
+                      <a:prstDash val="solid"/>
+                      <a:round/>
+                      <a:headEnd type="none" w="med" len="med"/>
+                      <a:tailEnd type="none" w="med" len="med"/>
+                    </a:lnB>
+                    <a:solidFill>
+                      <a:srgbClr val="92D050"/>
+                    </a:solidFill>
+                  </a:tcPr>
+                </a:tc>
+                <a:tc hMerge="1">
+                  <a:txBody>
+                    <a:bodyPr/>
+                    <a:lstStyle/>
+                    <a:p>
+                      <a:endParaRPr lang="en-US"/>
+                    </a:p>
+                  </a:txBody>
+                  <a:tcPr/>
+                </a:tc>
+                <a:tc hMerge="1">
+                  <a:txBody>
+                    <a:bodyPr/>
+                    <a:lstStyle/>
+                    <a:p>
+                      <a:endParaRPr lang="en-US"/>
+                    </a:p>
+                  </a:txBody>
+                  <a:tcPr/>
+                </a:tc>
+                <a:tc hMerge="1">
+                  <a:txBody>
+                    <a:bodyPr/>
+                    <a:lstStyle/>
+                    <a:p>
+                      <a:endParaRPr lang="en-US"/>
+                    </a:p>
+                  </a:txBody>
+                  <a:tcPr/>
+                </a:tc>
+                <a:tc hMerge="1">
+                  <a:txBody>
+                    <a:bodyPr/>
+                    <a:lstStyle/>
+                    <a:p>
+                      <a:endParaRPr lang="en-US"/>
+                    </a:p>
+                  </a:txBody>
+                  <a:tcPr/>
+                </a:tc>
+                <a:tc hMerge="1">
+                  <a:txBody>
+                    <a:bodyPr/>
+                    <a:lstStyle/>
+                    <a:p>
+                      <a:pPr algn="r"/>
+                      <a:endParaRPr lang="en-US" dirty="0"/>
+                    </a:p>
+                  </a:txBody>
+                  <a:tcPr>
+                    <a:solidFill>
+                      <a:srgbClr val="92D050"/>
+                    </a:solidFill>
+                  </a:tcPr>
+                </a:tc>
+                <a:tc hMerge="1">
+                  <a:txBody>
+                    <a:bodyPr/>
+                    <a:lstStyle/>
+                    <a:p>
+                      <a:endParaRPr lang="en-US"/>
+                    </a:p>
+                  </a:txBody>
+                  <a:tcPr/>
+                </a:tc>
+                <a:tc hMerge="1">
+                  <a:txBody>
+                    <a:bodyPr/>
+                    <a:lstStyle/>
+                    <a:p>
+                      <a:endParaRPr lang="en-US"/>
+                    </a:p>
+                  </a:txBody>
+                  <a:tcPr/>
+                </a:tc>
+                <a:tc hMerge="1">
+                  <a:txBody>
+                    <a:bodyPr/>
+                    <a:lstStyle/>
+                    <a:p>
+                      <a:endParaRPr lang="en-US" dirty="0"/>
+                    </a:p>
+                  </a:txBody>
+                  <a:tcPr/>
+                </a:tc>
+                <a:extLst>
+                  <a:ext uri="{0D108BD9-81ED-4DB2-BD59-A6C34878D82A}">
+                    <a16:rowId xmlns:a16="http://schemas.microsoft.com/office/drawing/2014/main" val="2958392618"/>
+                  </a:ext>
+                </a:extLst>
+              </a:tr>
+              <a:tr h="525499">
+                <a:tc vMerge="1">
+                  <a:txBody>
+                    <a:bodyPr/>
+                    <a:lstStyle/>
+                    <a:p>
+                      <a:endParaRPr lang="en-US"/>
+                    </a:p>
+                  </a:txBody>
+                  <a:tcPr/>
+                </a:tc>
+                <a:tc gridSpan="4">
+                  <a:txBody>
+                    <a:bodyPr/>
+                    <a:lstStyle/>
+                    <a:p>
+                      <a:pPr algn="r"/>
+                      <a:r>
+                        <a:rPr lang="en-US" dirty="0" smtClean="0">
+                          <a:solidFill>
+                            <a:schemeClr val="tx1"/>
+                          </a:solidFill>
+                        </a:rPr>
+                        <a:t>TOTEM</a:t>
+                      </a:r>
+                      <a:endParaRPr lang="en-US" dirty="0">
+                        <a:solidFill>
+                          <a:schemeClr val="tx1"/>
+                        </a:solidFill>
+                      </a:endParaRPr>
+                    </a:p>
+                  </a:txBody>
+                  <a:tcPr anchor="ctr">
+                    <a:lnL w="12700" cap="flat" cmpd="sng" algn="ctr">
+                      <a:solidFill>
+                        <a:schemeClr val="tx1"/>
+                      </a:solidFill>
+                      <a:prstDash val="solid"/>
+                      <a:round/>
+                      <a:headEnd type="none" w="med" len="med"/>
+                      <a:tailEnd type="none" w="med" len="med"/>
+                    </a:lnL>
+                    <a:lnR w="12700" cap="flat" cmpd="sng" algn="ctr">
+                      <a:solidFill>
+                        <a:schemeClr val="tx1"/>
+                      </a:solidFill>
+                      <a:prstDash val="solid"/>
+                      <a:round/>
+                      <a:headEnd type="none" w="med" len="med"/>
+                      <a:tailEnd type="none" w="med" len="med"/>
+                    </a:lnR>
+                    <a:lnT w="12700" cap="flat" cmpd="sng" algn="ctr">
+                      <a:solidFill>
+                        <a:schemeClr val="tx1"/>
+                      </a:solidFill>
+                      <a:prstDash val="solid"/>
+                      <a:round/>
+                      <a:headEnd type="none" w="med" len="med"/>
+                      <a:tailEnd type="none" w="med" len="med"/>
+                    </a:lnT>
+                    <a:lnB w="12700" cap="flat" cmpd="sng" algn="ctr">
+                      <a:solidFill>
+                        <a:schemeClr val="tx1"/>
+                      </a:solidFill>
+                      <a:prstDash val="solid"/>
+                      <a:round/>
+                      <a:headEnd type="none" w="med" len="med"/>
+                      <a:tailEnd type="none" w="med" len="med"/>
+                    </a:lnB>
+                    <a:lnTlToBr w="12700" cmpd="sng">
+                      <a:noFill/>
+                      <a:prstDash val="solid"/>
+                    </a:lnTlToBr>
+                    <a:lnBlToTr w="12700" cmpd="sng">
+                      <a:noFill/>
+                      <a:prstDash val="solid"/>
+                    </a:lnBlToTr>
+                    <a:solidFill>
+                      <a:srgbClr val="92D050"/>
+                    </a:solidFill>
+                  </a:tcPr>
+                </a:tc>
+                <a:tc hMerge="1">
+                  <a:txBody>
+                    <a:bodyPr/>
+                    <a:lstStyle/>
+                    <a:p>
+                      <a:endParaRPr lang="en-US" dirty="0"/>
+                    </a:p>
+                  </a:txBody>
+                  <a:tcPr/>
+                </a:tc>
+                <a:tc hMerge="1">
+                  <a:txBody>
+                    <a:bodyPr/>
+                    <a:lstStyle/>
+                    <a:p>
+                      <a:endParaRPr lang="en-US"/>
+                    </a:p>
+                  </a:txBody>
+                  <a:tcPr/>
+                </a:tc>
+                <a:tc hMerge="1">
+                  <a:txBody>
+                    <a:bodyPr/>
+                    <a:lstStyle/>
+                    <a:p>
+                      <a:endParaRPr lang="en-US" dirty="0"/>
+                    </a:p>
+                  </a:txBody>
+                  <a:tcPr/>
+                </a:tc>
+                <a:tc gridSpan="4">
+                  <a:txBody>
+                    <a:bodyPr/>
+                    <a:lstStyle/>
+                    <a:p>
+                      <a:pPr algn="r"/>
+                      <a:r>
+                        <a:rPr lang="en-US" dirty="0" smtClean="0"/>
+                        <a:t>FLEX</a:t>
+                      </a:r>
+                      <a:endParaRPr lang="en-US" dirty="0"/>
+                    </a:p>
+                  </a:txBody>
+                  <a:tcPr anchor="ctr">
+                    <a:lnL w="12700" cap="flat" cmpd="sng" algn="ctr">
+                      <a:solidFill>
+                        <a:schemeClr val="tx1"/>
+                      </a:solidFill>
+                      <a:prstDash val="solid"/>
+                      <a:round/>
+                      <a:headEnd type="none" w="med" len="med"/>
+                      <a:tailEnd type="none" w="med" len="med"/>
+                    </a:lnL>
+                    <a:lnR w="12700" cap="flat" cmpd="sng" algn="ctr">
+                      <a:solidFill>
+                        <a:schemeClr val="tx1"/>
+                      </a:solidFill>
+                      <a:prstDash val="solid"/>
+                      <a:round/>
+                      <a:headEnd type="none" w="med" len="med"/>
+                      <a:tailEnd type="none" w="med" len="med"/>
+                    </a:lnR>
+                    <a:lnT w="12700" cap="flat" cmpd="sng" algn="ctr">
+                      <a:solidFill>
+                        <a:schemeClr val="tx1"/>
+                      </a:solidFill>
+                      <a:prstDash val="solid"/>
+                      <a:round/>
+                      <a:headEnd type="none" w="med" len="med"/>
+                      <a:tailEnd type="none" w="med" len="med"/>
+                    </a:lnT>
+                    <a:lnB w="12700" cap="flat" cmpd="sng" algn="ctr">
+                      <a:solidFill>
+                        <a:schemeClr val="tx1"/>
+                      </a:solidFill>
+                      <a:prstDash val="solid"/>
+                      <a:round/>
+                      <a:headEnd type="none" w="med" len="med"/>
+                      <a:tailEnd type="none" w="med" len="med"/>
+                    </a:lnB>
+                    <a:solidFill>
+                      <a:srgbClr val="92D050"/>
+                    </a:solidFill>
+                  </a:tcPr>
+                </a:tc>
+                <a:tc hMerge="1">
+                  <a:txBody>
+                    <a:bodyPr/>
+                    <a:lstStyle/>
+                    <a:p>
+                      <a:pPr algn="r"/>
+                      <a:endParaRPr lang="en-US" dirty="0"/>
+                    </a:p>
+                  </a:txBody>
+                  <a:tcPr>
+                    <a:lnB w="12700" cmpd="sng">
+                      <a:noFill/>
+                    </a:lnB>
+                    <a:solidFill>
+                      <a:srgbClr val="92D050"/>
+                    </a:solidFill>
+                  </a:tcPr>
+                </a:tc>
+                <a:tc hMerge="1">
+                  <a:txBody>
+                    <a:bodyPr/>
+                    <a:lstStyle/>
+                    <a:p>
+                      <a:endParaRPr lang="en-US"/>
+                    </a:p>
+                  </a:txBody>
+                  <a:tcPr/>
+                </a:tc>
+                <a:tc hMerge="1">
+                  <a:txBody>
+                    <a:bodyPr/>
+                    <a:lstStyle/>
+                    <a:p>
+                      <a:endParaRPr lang="en-US" dirty="0"/>
+                    </a:p>
+                  </a:txBody>
+                  <a:tcPr/>
+                </a:tc>
+                <a:tc>
+                  <a:txBody>
+                    <a:bodyPr/>
+                    <a:lstStyle/>
+                    <a:p>
+                      <a:endParaRPr lang="en-US" dirty="0"/>
+                    </a:p>
+                  </a:txBody>
+                  <a:tcPr>
+                    <a:lnL w="12700" cap="flat" cmpd="sng" algn="ctr">
+                      <a:solidFill>
+                        <a:schemeClr val="tx1"/>
+                      </a:solidFill>
+                      <a:prstDash val="solid"/>
+                      <a:round/>
+                      <a:headEnd type="none" w="med" len="med"/>
+                      <a:tailEnd type="none" w="med" len="med"/>
+                    </a:lnL>
+                    <a:lnR w="12700" cap="flat" cmpd="sng" algn="ctr">
+                      <a:solidFill>
+                        <a:schemeClr val="tx1"/>
+                      </a:solidFill>
+                      <a:prstDash val="solid"/>
+                      <a:round/>
+                      <a:headEnd type="none" w="med" len="med"/>
+                      <a:tailEnd type="none" w="med" len="med"/>
+                    </a:lnR>
+                    <a:lnT w="12700" cap="flat" cmpd="sng" algn="ctr">
+                      <a:solidFill>
+                        <a:schemeClr val="tx1"/>
+                      </a:solidFill>
+                      <a:prstDash val="solid"/>
+                      <a:round/>
+                      <a:headEnd type="none" w="med" len="med"/>
+                      <a:tailEnd type="none" w="med" len="med"/>
+                    </a:lnT>
+                    <a:lnB w="12700" cap="flat" cmpd="sng" algn="ctr">
+                      <a:solidFill>
+                        <a:schemeClr val="tx1"/>
+                      </a:solidFill>
+                      <a:prstDash val="solid"/>
+                      <a:round/>
+                      <a:headEnd type="none" w="med" len="med"/>
+                      <a:tailEnd type="none" w="med" len="med"/>
+                    </a:lnB>
+                    <a:solidFill>
+                      <a:schemeClr val="tx1"/>
+                    </a:solidFill>
+                  </a:tcPr>
+                </a:tc>
+                <a:extLst>
+                  <a:ext uri="{0D108BD9-81ED-4DB2-BD59-A6C34878D82A}">
+                    <a16:rowId xmlns:a16="http://schemas.microsoft.com/office/drawing/2014/main" val="4148037298"/>
+                  </a:ext>
+                </a:extLst>
+              </a:tr>
+              <a:tr h="456634">
+                <a:tc vMerge="1">
+                  <a:txBody>
+                    <a:bodyPr/>
+                    <a:lstStyle/>
+                    <a:p>
+                      <a:endParaRPr lang="en-US" dirty="0"/>
+                    </a:p>
+                  </a:txBody>
+                  <a:tcPr/>
+                </a:tc>
+                <a:tc gridSpan="2">
+                  <a:txBody>
+                    <a:bodyPr/>
+                    <a:lstStyle/>
+                    <a:p>
+                      <a:pPr algn="r"/>
+                      <a:r>
+                        <a:rPr lang="en-US" dirty="0" smtClean="0">
+                          <a:solidFill>
+                            <a:schemeClr val="tx1"/>
+                          </a:solidFill>
+                        </a:rPr>
+                        <a:t>NODEJS</a:t>
+                      </a:r>
+                      <a:endParaRPr lang="en-US" dirty="0">
+                        <a:solidFill>
+                          <a:schemeClr val="tx1"/>
+                        </a:solidFill>
+                      </a:endParaRPr>
+                    </a:p>
+                  </a:txBody>
+                  <a:tcPr anchor="ctr">
+                    <a:lnL w="12700" cap="flat" cmpd="sng" algn="ctr">
+                      <a:solidFill>
+                        <a:schemeClr val="tx1"/>
+                      </a:solidFill>
+                      <a:prstDash val="solid"/>
+                      <a:round/>
+                      <a:headEnd type="none" w="med" len="med"/>
+                      <a:tailEnd type="none" w="med" len="med"/>
+                    </a:lnL>
+                    <a:lnR w="12700" cap="flat" cmpd="sng" algn="ctr">
+                      <a:solidFill>
+                        <a:schemeClr val="tx1"/>
+                      </a:solidFill>
+                      <a:prstDash val="solid"/>
+                      <a:round/>
+                      <a:headEnd type="none" w="med" len="med"/>
+                      <a:tailEnd type="none" w="med" len="med"/>
+                    </a:lnR>
+                    <a:lnT w="12700" cap="flat" cmpd="sng" algn="ctr">
+                      <a:solidFill>
+                        <a:schemeClr val="tx1"/>
+                      </a:solidFill>
+                      <a:prstDash val="solid"/>
+                      <a:round/>
+                      <a:headEnd type="none" w="med" len="med"/>
+                      <a:tailEnd type="none" w="med" len="med"/>
+                    </a:lnT>
+                    <a:lnB w="12700" cap="flat" cmpd="sng" algn="ctr">
+                      <a:solidFill>
+                        <a:schemeClr val="tx1"/>
+                      </a:solidFill>
+                      <a:prstDash val="solid"/>
+                      <a:round/>
+                      <a:headEnd type="none" w="med" len="med"/>
+                      <a:tailEnd type="none" w="med" len="med"/>
+                    </a:lnB>
+                    <a:lnTlToBr w="12700" cmpd="sng">
+                      <a:noFill/>
+                      <a:prstDash val="solid"/>
+                    </a:lnTlToBr>
+                    <a:lnBlToTr w="12700" cmpd="sng">
+                      <a:noFill/>
+                      <a:prstDash val="solid"/>
+                    </a:lnBlToTr>
+                    <a:solidFill>
+                      <a:srgbClr val="92D050"/>
+                    </a:solidFill>
+                  </a:tcPr>
+                </a:tc>
+                <a:tc hMerge="1">
+                  <a:txBody>
+                    <a:bodyPr/>
+                    <a:lstStyle/>
+                    <a:p>
+                      <a:pPr algn="ctr"/>
+                      <a:endParaRPr lang="en-US" dirty="0"/>
+                    </a:p>
+                  </a:txBody>
+                  <a:tcPr/>
+                </a:tc>
+                <a:tc>
+                  <a:txBody>
+                    <a:bodyPr/>
+                    <a:lstStyle/>
+                    <a:p>
+                      <a:pPr algn="r"/>
+                      <a:r>
+                        <a:rPr lang="en-US" dirty="0" smtClean="0">
+                          <a:solidFill>
+                            <a:schemeClr val="tx1"/>
+                          </a:solidFill>
+                        </a:rPr>
+                        <a:t>SOCKIO</a:t>
+                      </a:r>
+                      <a:endParaRPr lang="en-US" dirty="0">
+                        <a:solidFill>
+                          <a:schemeClr val="tx1"/>
+                        </a:solidFill>
+                      </a:endParaRPr>
+                    </a:p>
+                  </a:txBody>
+                  <a:tcPr anchor="ctr">
+                    <a:lnL w="12700" cap="flat" cmpd="sng" algn="ctr">
+                      <a:solidFill>
+                        <a:schemeClr val="tx1"/>
+                      </a:solidFill>
+                      <a:prstDash val="solid"/>
+                      <a:round/>
+                      <a:headEnd type="none" w="med" len="med"/>
+                      <a:tailEnd type="none" w="med" len="med"/>
+                    </a:lnL>
+                    <a:lnR w="12700" cap="flat" cmpd="sng" algn="ctr">
+                      <a:solidFill>
+                        <a:schemeClr val="tx1"/>
+                      </a:solidFill>
+                      <a:prstDash val="solid"/>
+                      <a:round/>
+                      <a:headEnd type="none" w="med" len="med"/>
+                      <a:tailEnd type="none" w="med" len="med"/>
+                    </a:lnR>
+                    <a:lnT w="12700" cap="flat" cmpd="sng" algn="ctr">
+                      <a:solidFill>
+                        <a:schemeClr val="tx1"/>
+                      </a:solidFill>
+                      <a:prstDash val="solid"/>
+                      <a:round/>
+                      <a:headEnd type="none" w="med" len="med"/>
+                      <a:tailEnd type="none" w="med" len="med"/>
+                    </a:lnT>
+                    <a:lnB w="12700" cap="flat" cmpd="sng" algn="ctr">
+                      <a:solidFill>
+                        <a:schemeClr val="tx1"/>
+                      </a:solidFill>
+                      <a:prstDash val="solid"/>
+                      <a:round/>
+                      <a:headEnd type="none" w="med" len="med"/>
+                      <a:tailEnd type="none" w="med" len="med"/>
+                    </a:lnB>
+                    <a:lnTlToBr w="12700" cmpd="sng">
+                      <a:noFill/>
+                      <a:prstDash val="solid"/>
+                    </a:lnTlToBr>
+                    <a:lnBlToTr w="12700" cmpd="sng">
+                      <a:noFill/>
+                      <a:prstDash val="solid"/>
+                    </a:lnBlToTr>
+                    <a:solidFill>
+                      <a:srgbClr val="92D050"/>
+                    </a:solidFill>
+                  </a:tcPr>
+                </a:tc>
+                <a:tc>
+                  <a:txBody>
+                    <a:bodyPr/>
+                    <a:lstStyle/>
+                    <a:p>
+                      <a:pPr algn="r"/>
+                      <a:r>
+                        <a:rPr lang="en-US" dirty="0" smtClean="0">
+                          <a:solidFill>
+                            <a:schemeClr val="tx1"/>
+                          </a:solidFill>
+                        </a:rPr>
+                        <a:t>DBAG</a:t>
+                      </a:r>
+                      <a:endParaRPr lang="en-US" dirty="0">
+                        <a:solidFill>
+                          <a:schemeClr val="tx1"/>
+                        </a:solidFill>
+                      </a:endParaRPr>
+                    </a:p>
+                  </a:txBody>
+                  <a:tcPr anchor="ctr">
+                    <a:lnL w="12700" cap="flat" cmpd="sng" algn="ctr">
+                      <a:solidFill>
+                        <a:schemeClr val="tx1"/>
+                      </a:solidFill>
+                      <a:prstDash val="solid"/>
+                      <a:round/>
+                      <a:headEnd type="none" w="med" len="med"/>
+                      <a:tailEnd type="none" w="med" len="med"/>
+                    </a:lnL>
+                    <a:lnR w="12700" cap="flat" cmpd="sng" algn="ctr">
+                      <a:solidFill>
+                        <a:schemeClr val="tx1"/>
+                      </a:solidFill>
+                      <a:prstDash val="solid"/>
+                      <a:round/>
+                      <a:headEnd type="none" w="med" len="med"/>
+                      <a:tailEnd type="none" w="med" len="med"/>
+                    </a:lnR>
+                    <a:lnT w="12700" cap="flat" cmpd="sng" algn="ctr">
+                      <a:solidFill>
+                        <a:schemeClr val="tx1"/>
+                      </a:solidFill>
+                      <a:prstDash val="solid"/>
+                      <a:round/>
+                      <a:headEnd type="none" w="med" len="med"/>
+                      <a:tailEnd type="none" w="med" len="med"/>
+                    </a:lnT>
+                    <a:lnB w="12700" cap="flat" cmpd="sng" algn="ctr">
+                      <a:solidFill>
+                        <a:schemeClr val="tx1"/>
+                      </a:solidFill>
+                      <a:prstDash val="solid"/>
+                      <a:round/>
+                      <a:headEnd type="none" w="med" len="med"/>
+                      <a:tailEnd type="none" w="med" len="med"/>
+                    </a:lnB>
+                    <a:lnTlToBr w="12700" cmpd="sng">
+                      <a:noFill/>
+                      <a:prstDash val="solid"/>
+                    </a:lnTlToBr>
+                    <a:lnBlToTr w="12700" cmpd="sng">
+                      <a:noFill/>
+                      <a:prstDash val="solid"/>
+                    </a:lnBlToTr>
+                    <a:solidFill>
+                      <a:srgbClr val="92D050"/>
+                    </a:solidFill>
+                  </a:tcPr>
+                </a:tc>
+                <a:tc>
+                  <a:txBody>
+                    <a:bodyPr/>
+                    <a:lstStyle/>
+                    <a:p>
+                      <a:pPr algn="r"/>
+                      <a:r>
+                        <a:rPr lang="en-US" dirty="0" smtClean="0"/>
+                        <a:t>JSLAB</a:t>
+                      </a:r>
+                      <a:endParaRPr lang="en-US" dirty="0"/>
+                    </a:p>
+                  </a:txBody>
+                  <a:tcPr anchor="ctr">
+                    <a:lnL w="12700" cap="flat" cmpd="sng" algn="ctr">
+                      <a:solidFill>
+                        <a:schemeClr val="tx1"/>
+                      </a:solidFill>
+                      <a:prstDash val="solid"/>
+                      <a:round/>
+                      <a:headEnd type="none" w="med" len="med"/>
+                      <a:tailEnd type="none" w="med" len="med"/>
+                    </a:lnL>
+                    <a:lnR w="12700" cap="flat" cmpd="sng" algn="ctr">
+                      <a:solidFill>
+                        <a:schemeClr val="tx1"/>
+                      </a:solidFill>
+                      <a:prstDash val="solid"/>
+                      <a:round/>
+                      <a:headEnd type="none" w="med" len="med"/>
+                      <a:tailEnd type="none" w="med" len="med"/>
+                    </a:lnR>
+                    <a:lnT w="12700" cap="flat" cmpd="sng" algn="ctr">
+                      <a:solidFill>
+                        <a:schemeClr val="tx1"/>
+                      </a:solidFill>
+                      <a:prstDash val="solid"/>
+                      <a:round/>
+                      <a:headEnd type="none" w="med" len="med"/>
+                      <a:tailEnd type="none" w="med" len="med"/>
+                    </a:lnT>
+                    <a:lnB w="12700" cap="flat" cmpd="sng" algn="ctr">
+                      <a:solidFill>
+                        <a:schemeClr val="tx1"/>
+                      </a:solidFill>
+                      <a:prstDash val="solid"/>
+                      <a:round/>
+                      <a:headEnd type="none" w="med" len="med"/>
+                      <a:tailEnd type="none" w="med" len="med"/>
+                    </a:lnB>
+                    <a:lnTlToBr w="12700" cmpd="sng">
+                      <a:noFill/>
+                      <a:prstDash val="solid"/>
+                    </a:lnTlToBr>
+                    <a:lnBlToTr w="12700" cmpd="sng">
+                      <a:noFill/>
+                      <a:prstDash val="solid"/>
+                    </a:lnBlToTr>
+                    <a:solidFill>
+                      <a:srgbClr val="92D050"/>
+                    </a:solidFill>
+                  </a:tcPr>
+                </a:tc>
+                <a:tc>
+                  <a:txBody>
+                    <a:bodyPr/>
+                    <a:lstStyle/>
+                    <a:p>
+                      <a:pPr algn="r"/>
+                      <a:r>
+                        <a:rPr lang="en-US" dirty="0" smtClean="0"/>
+                        <a:t>ATOMIC</a:t>
+                      </a:r>
+                      <a:endParaRPr lang="en-US" dirty="0"/>
+                    </a:p>
+                  </a:txBody>
+                  <a:tcPr anchor="ctr">
+                    <a:lnL w="12700" cap="flat" cmpd="sng" algn="ctr">
+                      <a:solidFill>
+                        <a:schemeClr val="tx1"/>
+                      </a:solidFill>
+                      <a:prstDash val="solid"/>
+                      <a:round/>
+                      <a:headEnd type="none" w="med" len="med"/>
+                      <a:tailEnd type="none" w="med" len="med"/>
+                    </a:lnL>
+                    <a:lnR w="12700" cap="flat" cmpd="sng" algn="ctr">
+                      <a:solidFill>
+                        <a:schemeClr val="tx1"/>
+                      </a:solidFill>
+                      <a:prstDash val="solid"/>
+                      <a:round/>
+                      <a:headEnd type="none" w="med" len="med"/>
+                      <a:tailEnd type="none" w="med" len="med"/>
+                    </a:lnR>
+                    <a:lnT w="12700" cap="flat" cmpd="sng" algn="ctr">
+                      <a:solidFill>
+                        <a:schemeClr val="tx1"/>
+                      </a:solidFill>
+                      <a:prstDash val="solid"/>
+                      <a:round/>
+                      <a:headEnd type="none" w="med" len="med"/>
+                      <a:tailEnd type="none" w="med" len="med"/>
+                    </a:lnT>
+                    <a:lnB w="12700" cap="flat" cmpd="sng" algn="ctr">
+                      <a:solidFill>
+                        <a:schemeClr val="tx1"/>
+                      </a:solidFill>
+                      <a:prstDash val="solid"/>
+                      <a:round/>
+                      <a:headEnd type="none" w="med" len="med"/>
+                      <a:tailEnd type="none" w="med" len="med"/>
+                    </a:lnB>
+                    <a:lnTlToBr w="12700" cmpd="sng">
+                      <a:noFill/>
+                      <a:prstDash val="solid"/>
+                    </a:lnTlToBr>
+                    <a:lnBlToTr w="12700" cmpd="sng">
+                      <a:noFill/>
+                      <a:prstDash val="solid"/>
+                    </a:lnBlToTr>
+                    <a:solidFill>
+                      <a:srgbClr val="92D050"/>
+                    </a:solidFill>
+                  </a:tcPr>
+                </a:tc>
+                <a:tc>
+                  <a:txBody>
+                    <a:bodyPr/>
+                    <a:lstStyle/>
+                    <a:p>
+                      <a:endParaRPr lang="en-US" dirty="0"/>
+                    </a:p>
+                  </a:txBody>
+                  <a:tcPr>
+                    <a:lnL w="12700" cap="flat" cmpd="sng" algn="ctr">
+                      <a:solidFill>
+                        <a:schemeClr val="tx1"/>
+                      </a:solidFill>
+                      <a:prstDash val="solid"/>
+                      <a:round/>
+                      <a:headEnd type="none" w="med" len="med"/>
+                      <a:tailEnd type="none" w="med" len="med"/>
+                    </a:lnL>
+                    <a:lnR w="12700" cap="flat" cmpd="sng" algn="ctr">
+                      <a:solidFill>
+                        <a:schemeClr val="tx1"/>
+                      </a:solidFill>
+                      <a:prstDash val="solid"/>
+                      <a:round/>
+                      <a:headEnd type="none" w="med" len="med"/>
+                      <a:tailEnd type="none" w="med" len="med"/>
+                    </a:lnR>
+                    <a:lnT w="12700" cap="flat" cmpd="sng" algn="ctr">
+                      <a:solidFill>
+                        <a:schemeClr val="tx1"/>
+                      </a:solidFill>
+                      <a:prstDash val="solid"/>
+                      <a:round/>
+                      <a:headEnd type="none" w="med" len="med"/>
+                      <a:tailEnd type="none" w="med" len="med"/>
+                    </a:lnT>
+                    <a:lnB w="12700" cap="flat" cmpd="sng" algn="ctr">
+                      <a:solidFill>
+                        <a:schemeClr val="tx1"/>
+                      </a:solidFill>
+                      <a:prstDash val="solid"/>
+                      <a:round/>
+                      <a:headEnd type="none" w="med" len="med"/>
+                      <a:tailEnd type="none" w="med" len="med"/>
+                    </a:lnB>
+                    <a:solidFill>
+                      <a:schemeClr val="tx1"/>
+                    </a:solidFill>
+                  </a:tcPr>
+                </a:tc>
+                <a:tc gridSpan="2">
+                  <a:txBody>
+                    <a:bodyPr/>
+                    <a:lstStyle/>
+                    <a:p>
+                      <a:endParaRPr lang="en-US" dirty="0"/>
+                    </a:p>
+                  </a:txBody>
+                  <a:tcPr>
+                    <a:lnL w="12700" cap="flat" cmpd="sng" algn="ctr">
+                      <a:solidFill>
+                        <a:schemeClr val="tx1"/>
+                      </a:solidFill>
+                      <a:prstDash val="solid"/>
+                      <a:round/>
+                      <a:headEnd type="none" w="med" len="med"/>
+                      <a:tailEnd type="none" w="med" len="med"/>
+                    </a:lnL>
+                    <a:lnR w="12700" cap="flat" cmpd="sng" algn="ctr">
+                      <a:solidFill>
+                        <a:schemeClr val="tx1"/>
+                      </a:solidFill>
+                      <a:prstDash val="solid"/>
+                      <a:round/>
+                      <a:headEnd type="none" w="med" len="med"/>
+                      <a:tailEnd type="none" w="med" len="med"/>
+                    </a:lnR>
+                    <a:lnT w="12700" cap="flat" cmpd="sng" algn="ctr">
+                      <a:solidFill>
+                        <a:schemeClr val="tx1"/>
+                      </a:solidFill>
+                      <a:prstDash val="solid"/>
+                      <a:round/>
+                      <a:headEnd type="none" w="med" len="med"/>
+                      <a:tailEnd type="none" w="med" len="med"/>
+                    </a:lnT>
+                    <a:lnB w="12700" cap="flat" cmpd="sng" algn="ctr">
+                      <a:solidFill>
+                        <a:schemeClr val="tx1"/>
+                      </a:solidFill>
+                      <a:prstDash val="solid"/>
+                      <a:round/>
+                      <a:headEnd type="none" w="med" len="med"/>
+                      <a:tailEnd type="none" w="med" len="med"/>
+                    </a:lnB>
+                    <a:solidFill>
+                      <a:schemeClr val="tx1"/>
+                    </a:solidFill>
+                  </a:tcPr>
+                </a:tc>
+                <a:tc hMerge="1">
+                  <a:txBody>
+                    <a:bodyPr/>
+                    <a:lstStyle/>
+                    <a:p>
+                      <a:endParaRPr lang="en-US" dirty="0"/>
+                    </a:p>
+                  </a:txBody>
+                  <a:tcPr>
+                    <a:solidFill>
+                      <a:schemeClr val="tx1"/>
+                    </a:solidFill>
+                  </a:tcPr>
+                </a:tc>
+                <a:extLst>
+                  <a:ext uri="{0D108BD9-81ED-4DB2-BD59-A6C34878D82A}">
+                    <a16:rowId xmlns:a16="http://schemas.microsoft.com/office/drawing/2014/main" val="2761201883"/>
+                  </a:ext>
+                </a:extLst>
+              </a:tr>
+              <a:tr h="414303">
+                <a:tc>
+                  <a:txBody>
+                    <a:bodyPr/>
+                    <a:lstStyle/>
+                    <a:p>
+                      <a:endParaRPr lang="en-US">
+                        <a:solidFill>
+                          <a:schemeClr val="bg1"/>
+                        </a:solidFill>
+                      </a:endParaRPr>
+                    </a:p>
+                  </a:txBody>
+                  <a:tcPr>
+                    <a:solidFill>
+                      <a:schemeClr val="tx1"/>
+                    </a:solidFill>
+                  </a:tcPr>
+                </a:tc>
+                <a:tc>
+                  <a:txBody>
+                    <a:bodyPr/>
+                    <a:lstStyle/>
+                    <a:p>
+                      <a:pPr algn="ctr"/>
+                      <a:r>
+                        <a:rPr lang="en-US" dirty="0" smtClean="0">
+                          <a:solidFill>
+                            <a:schemeClr val="bg1"/>
+                          </a:solidFill>
+                        </a:rPr>
+                        <a:t>Files</a:t>
+                      </a:r>
+                      <a:endParaRPr lang="en-US" dirty="0">
+                        <a:solidFill>
+                          <a:schemeClr val="bg1"/>
+                        </a:solidFill>
+                      </a:endParaRPr>
+                    </a:p>
+                  </a:txBody>
+                  <a:tcPr>
+                    <a:lnT w="12700" cap="flat" cmpd="sng" algn="ctr">
+                      <a:solidFill>
+                        <a:schemeClr val="tx1"/>
+                      </a:solidFill>
+                      <a:prstDash val="solid"/>
+                      <a:round/>
+                      <a:headEnd type="none" w="med" len="med"/>
+                      <a:tailEnd type="none" w="med" len="med"/>
+                    </a:lnT>
+                    <a:solidFill>
+                      <a:schemeClr val="tx1"/>
+                    </a:solidFill>
+                  </a:tcPr>
+                </a:tc>
+                <a:tc>
+                  <a:txBody>
+                    <a:bodyPr/>
+                    <a:lstStyle/>
+                    <a:p>
+                      <a:pPr marL="0" marR="0" lvl="0" indent="0" algn="ctr" defTabSz="914400" rtl="0" eaLnBrk="1" fontAlgn="auto" latinLnBrk="0" hangingPunct="1">
+                        <a:lnSpc>
+                          <a:spcPct val="100000"/>
+                        </a:lnSpc>
+                        <a:spcBef>
+                          <a:spcPts val="0"/>
+                        </a:spcBef>
+                        <a:spcAft>
+                          <a:spcPts val="0"/>
+                        </a:spcAft>
+                        <a:buClrTx/>
+                        <a:buSzTx/>
+                        <a:buFontTx/>
+                        <a:buNone/>
+                        <a:tabLst/>
+                        <a:defRPr/>
+                      </a:pPr>
+                      <a:r>
+                        <a:rPr lang="en-US" dirty="0" smtClean="0">
+                          <a:solidFill>
+                            <a:schemeClr val="bg1"/>
+                          </a:solidFill>
+                        </a:rPr>
+                        <a:t>HTTP</a:t>
+                      </a:r>
+                    </a:p>
+                  </a:txBody>
+                  <a:tcPr>
+                    <a:lnT w="12700" cap="flat" cmpd="sng" algn="ctr">
+                      <a:solidFill>
+                        <a:schemeClr val="tx1"/>
+                      </a:solidFill>
+                      <a:prstDash val="solid"/>
+                      <a:round/>
+                      <a:headEnd type="none" w="med" len="med"/>
+                      <a:tailEnd type="none" w="med" len="med"/>
+                    </a:lnT>
+                    <a:solidFill>
+                      <a:schemeClr val="tx1"/>
+                    </a:solidFill>
+                  </a:tcPr>
+                </a:tc>
+                <a:tc>
+                  <a:txBody>
+                    <a:bodyPr/>
+                    <a:lstStyle/>
+                    <a:p>
+                      <a:pPr algn="ctr"/>
+                      <a:r>
+                        <a:rPr lang="en-US" dirty="0" smtClean="0">
+                          <a:solidFill>
+                            <a:schemeClr val="bg1"/>
+                          </a:solidFill>
+                        </a:rPr>
+                        <a:t>Sessions</a:t>
+                      </a:r>
+                      <a:endParaRPr lang="en-US" dirty="0">
+                        <a:solidFill>
+                          <a:schemeClr val="bg1"/>
+                        </a:solidFill>
+                      </a:endParaRPr>
+                    </a:p>
+                  </a:txBody>
+                  <a:tcPr>
+                    <a:lnT w="12700" cap="flat" cmpd="sng" algn="ctr">
+                      <a:solidFill>
+                        <a:schemeClr val="tx1"/>
+                      </a:solidFill>
+                      <a:prstDash val="solid"/>
+                      <a:round/>
+                      <a:headEnd type="none" w="med" len="med"/>
+                      <a:tailEnd type="none" w="med" len="med"/>
+                    </a:lnT>
+                    <a:solidFill>
+                      <a:schemeClr val="tx1"/>
+                    </a:solidFill>
+                  </a:tcPr>
+                </a:tc>
+                <a:tc>
+                  <a:txBody>
+                    <a:bodyPr/>
+                    <a:lstStyle/>
+                    <a:p>
+                      <a:pPr algn="ctr"/>
+                      <a:r>
+                        <a:rPr lang="en-US" dirty="0" smtClean="0">
+                          <a:solidFill>
+                            <a:schemeClr val="bg1"/>
+                          </a:solidFill>
+                        </a:rPr>
+                        <a:t>Datasets</a:t>
+                      </a:r>
+                      <a:endParaRPr lang="en-US" dirty="0">
+                        <a:solidFill>
+                          <a:schemeClr val="bg1"/>
+                        </a:solidFill>
+                      </a:endParaRPr>
+                    </a:p>
+                  </a:txBody>
+                  <a:tcPr>
+                    <a:lnT w="12700" cap="flat" cmpd="sng" algn="ctr">
+                      <a:solidFill>
+                        <a:schemeClr val="tx1"/>
+                      </a:solidFill>
+                      <a:prstDash val="solid"/>
+                      <a:round/>
+                      <a:headEnd type="none" w="med" len="med"/>
+                      <a:tailEnd type="none" w="med" len="med"/>
+                    </a:lnT>
+                    <a:solidFill>
+                      <a:schemeClr val="tx1"/>
+                    </a:solidFill>
+                  </a:tcPr>
+                </a:tc>
+                <a:tc>
+                  <a:txBody>
+                    <a:bodyPr/>
+                    <a:lstStyle/>
+                    <a:p>
+                      <a:pPr algn="ctr"/>
+                      <a:r>
+                        <a:rPr lang="en-US" dirty="0" smtClean="0">
+                          <a:solidFill>
+                            <a:schemeClr val="bg1"/>
+                          </a:solidFill>
+                        </a:rPr>
+                        <a:t>Learners</a:t>
+                      </a:r>
+                      <a:endParaRPr lang="en-US" dirty="0">
+                        <a:solidFill>
+                          <a:schemeClr val="bg1"/>
+                        </a:solidFill>
+                      </a:endParaRPr>
+                    </a:p>
+                  </a:txBody>
+                  <a:tcPr>
+                    <a:lnT w="12700" cap="flat" cmpd="sng" algn="ctr">
+                      <a:solidFill>
+                        <a:schemeClr val="tx1"/>
+                      </a:solidFill>
+                      <a:prstDash val="solid"/>
+                      <a:round/>
+                      <a:headEnd type="none" w="med" len="med"/>
+                      <a:tailEnd type="none" w="med" len="med"/>
+                    </a:lnT>
+                    <a:solidFill>
+                      <a:schemeClr val="tx1"/>
+                    </a:solidFill>
+                  </a:tcPr>
+                </a:tc>
+                <a:tc>
+                  <a:txBody>
+                    <a:bodyPr/>
+                    <a:lstStyle/>
+                    <a:p>
+                      <a:pPr algn="ctr"/>
+                      <a:r>
+                        <a:rPr lang="en-US" dirty="0" smtClean="0">
+                          <a:solidFill>
+                            <a:schemeClr val="bg1"/>
+                          </a:solidFill>
+                        </a:rPr>
+                        <a:t>Engines</a:t>
+                      </a:r>
+                      <a:endParaRPr lang="en-US" dirty="0">
+                        <a:solidFill>
+                          <a:schemeClr val="bg1"/>
+                        </a:solidFill>
+                      </a:endParaRPr>
+                    </a:p>
+                  </a:txBody>
+                  <a:tcPr>
+                    <a:lnT w="12700" cap="flat" cmpd="sng" algn="ctr">
+                      <a:solidFill>
+                        <a:schemeClr val="tx1"/>
+                      </a:solidFill>
+                      <a:prstDash val="solid"/>
+                      <a:round/>
+                      <a:headEnd type="none" w="med" len="med"/>
+                      <a:tailEnd type="none" w="med" len="med"/>
+                    </a:lnT>
+                    <a:solidFill>
+                      <a:schemeClr val="tx1"/>
+                    </a:solidFill>
+                  </a:tcPr>
+                </a:tc>
+                <a:tc>
+                  <a:txBody>
+                    <a:bodyPr/>
+                    <a:lstStyle/>
+                    <a:p>
+                      <a:pPr algn="ctr"/>
+                      <a:r>
+                        <a:rPr lang="en-US" dirty="0" smtClean="0">
+                          <a:solidFill>
+                            <a:schemeClr val="bg1"/>
+                          </a:solidFill>
+                        </a:rPr>
+                        <a:t>Jobs</a:t>
+                      </a:r>
+                      <a:endParaRPr lang="en-US" dirty="0">
+                        <a:solidFill>
+                          <a:schemeClr val="bg1"/>
+                        </a:solidFill>
+                      </a:endParaRPr>
+                    </a:p>
+                  </a:txBody>
+                  <a:tcPr>
+                    <a:lnT w="12700" cap="flat" cmpd="sng" algn="ctr">
+                      <a:solidFill>
+                        <a:schemeClr val="tx1"/>
+                      </a:solidFill>
+                      <a:prstDash val="solid"/>
+                      <a:round/>
+                      <a:headEnd type="none" w="med" len="med"/>
+                      <a:tailEnd type="none" w="med" len="med"/>
+                    </a:lnT>
+                    <a:solidFill>
+                      <a:schemeClr val="tx1"/>
+                    </a:solidFill>
+                  </a:tcPr>
+                </a:tc>
+                <a:tc>
+                  <a:txBody>
+                    <a:bodyPr/>
+                    <a:lstStyle/>
+                    <a:p>
+                      <a:pPr algn="ctr"/>
+                      <a:r>
+                        <a:rPr lang="en-US" dirty="0" smtClean="0">
+                          <a:solidFill>
+                            <a:schemeClr val="bg1"/>
+                          </a:solidFill>
+                        </a:rPr>
+                        <a:t>Plugins</a:t>
+                      </a:r>
+                      <a:endParaRPr lang="en-US" dirty="0">
+                        <a:solidFill>
+                          <a:schemeClr val="bg1"/>
+                        </a:solidFill>
+                      </a:endParaRPr>
+                    </a:p>
+                  </a:txBody>
+                  <a:tcPr>
+                    <a:lnT w="12700" cap="flat" cmpd="sng" algn="ctr">
+                      <a:solidFill>
+                        <a:schemeClr val="tx1"/>
+                      </a:solidFill>
+                      <a:prstDash val="solid"/>
+                      <a:round/>
+                      <a:headEnd type="none" w="med" len="med"/>
+                      <a:tailEnd type="none" w="med" len="med"/>
+                    </a:lnT>
+                    <a:solidFill>
+                      <a:schemeClr val="tx1"/>
+                    </a:solidFill>
+                  </a:tcPr>
+                </a:tc>
+                <a:tc>
+                  <a:txBody>
+                    <a:bodyPr/>
+                    <a:lstStyle/>
+                    <a:p>
+                      <a:pPr algn="ctr"/>
+                      <a:r>
+                        <a:rPr lang="en-US" dirty="0" smtClean="0">
+                          <a:solidFill>
+                            <a:schemeClr val="bg1"/>
+                          </a:solidFill>
+                        </a:rPr>
+                        <a:t>Skins</a:t>
+                      </a:r>
+                      <a:endParaRPr lang="en-US" dirty="0">
+                        <a:solidFill>
+                          <a:schemeClr val="bg1"/>
+                        </a:solidFill>
+                      </a:endParaRPr>
+                    </a:p>
+                  </a:txBody>
+                  <a:tcPr>
+                    <a:lnT w="12700" cap="flat" cmpd="sng" algn="ctr">
+                      <a:solidFill>
+                        <a:schemeClr val="tx1"/>
+                      </a:solidFill>
+                      <a:prstDash val="solid"/>
+                      <a:round/>
+                      <a:headEnd type="none" w="med" len="med"/>
+                      <a:tailEnd type="none" w="med" len="med"/>
+                    </a:lnT>
+                    <a:solidFill>
+                      <a:schemeClr val="tx1"/>
+                    </a:solidFill>
+                  </a:tcPr>
+                </a:tc>
+                <a:extLst>
+                  <a:ext uri="{0D108BD9-81ED-4DB2-BD59-A6C34878D82A}">
+                    <a16:rowId xmlns:a16="http://schemas.microsoft.com/office/drawing/2014/main" val="1513632290"/>
+                  </a:ext>
+                </a:extLst>
+              </a:tr>
+              <a:tr h="370840">
+                <a:tc>
+                  <a:txBody>
+                    <a:bodyPr/>
+                    <a:lstStyle/>
+                    <a:p>
+                      <a:pPr algn="ctr"/>
+                      <a:r>
+                        <a:rPr lang="en-US" dirty="0" smtClean="0">
+                          <a:solidFill>
+                            <a:schemeClr val="bg1"/>
+                          </a:solidFill>
+                        </a:rPr>
+                        <a:t>C</a:t>
+                      </a:r>
+                      <a:endParaRPr lang="en-US" dirty="0">
+                        <a:solidFill>
+                          <a:schemeClr val="bg1"/>
+                        </a:solidFill>
+                      </a:endParaRPr>
+                    </a:p>
+                  </a:txBody>
+                  <a:tcPr anchor="ctr">
+                    <a:solidFill>
+                      <a:schemeClr val="tx1"/>
+                    </a:solidFill>
+                  </a:tcPr>
+                </a:tc>
+                <a:tc>
+                  <a:txBody>
+                    <a:bodyPr/>
+                    <a:lstStyle/>
+                    <a:p>
+                      <a:pPr algn="ctr"/>
+                      <a:endParaRPr lang="en-US" dirty="0"/>
+                    </a:p>
+                  </a:txBody>
+                  <a:tcPr>
+                    <a:solidFill>
+                      <a:schemeClr val="tx1"/>
+                    </a:solidFill>
+                  </a:tcPr>
+                </a:tc>
+                <a:tc>
+                  <a:txBody>
+                    <a:bodyPr/>
+                    <a:lstStyle/>
+                    <a:p>
+                      <a:pPr algn="ctr"/>
+                      <a:r>
+                        <a:rPr lang="en-US" dirty="0" smtClean="0"/>
+                        <a:t>Post</a:t>
+                      </a:r>
+                      <a:endParaRPr lang="en-US" dirty="0"/>
+                    </a:p>
+                  </a:txBody>
+                  <a:tcPr>
+                    <a:solidFill>
+                      <a:schemeClr val="bg1">
+                        <a:lumMod val="75000"/>
+                      </a:schemeClr>
+                    </a:solidFill>
+                  </a:tcPr>
+                </a:tc>
+                <a:tc>
+                  <a:txBody>
+                    <a:bodyPr/>
+                    <a:lstStyle/>
+                    <a:p>
+                      <a:pPr algn="ctr"/>
+                      <a:r>
+                        <a:rPr lang="en-US" dirty="0" smtClean="0"/>
+                        <a:t>Join</a:t>
+                      </a:r>
+                      <a:endParaRPr lang="en-US" dirty="0"/>
+                    </a:p>
+                  </a:txBody>
+                  <a:tcPr>
+                    <a:solidFill>
+                      <a:schemeClr val="bg1">
+                        <a:lumMod val="75000"/>
+                      </a:schemeClr>
+                    </a:solidFill>
+                  </a:tcPr>
+                </a:tc>
+                <a:tc>
+                  <a:txBody>
+                    <a:bodyPr/>
+                    <a:lstStyle/>
+                    <a:p>
+                      <a:pPr algn="ctr"/>
+                      <a:r>
+                        <a:rPr lang="en-US" dirty="0" smtClean="0"/>
+                        <a:t>Insert</a:t>
+                      </a:r>
+                      <a:endParaRPr lang="en-US" dirty="0"/>
+                    </a:p>
+                  </a:txBody>
+                  <a:tcPr>
+                    <a:solidFill>
+                      <a:schemeClr val="bg1">
+                        <a:lumMod val="75000"/>
+                      </a:schemeClr>
+                    </a:solidFill>
+                  </a:tcPr>
+                </a:tc>
+                <a:tc>
+                  <a:txBody>
+                    <a:bodyPr/>
+                    <a:lstStyle/>
+                    <a:p>
+                      <a:pPr algn="ctr"/>
+                      <a:endParaRPr lang="en-US" dirty="0"/>
+                    </a:p>
+                  </a:txBody>
+                  <a:tcPr>
+                    <a:solidFill>
+                      <a:schemeClr val="tx1"/>
+                    </a:solidFill>
+                  </a:tcPr>
+                </a:tc>
+                <a:tc>
+                  <a:txBody>
+                    <a:bodyPr/>
+                    <a:lstStyle/>
+                    <a:p>
+                      <a:pPr algn="ctr"/>
+                      <a:r>
+                        <a:rPr lang="en-US" dirty="0" smtClean="0"/>
+                        <a:t>Compile</a:t>
+                      </a:r>
+                      <a:endParaRPr lang="en-US" dirty="0"/>
+                    </a:p>
+                  </a:txBody>
+                  <a:tcPr>
+                    <a:solidFill>
+                      <a:schemeClr val="bg1">
+                        <a:lumMod val="75000"/>
+                      </a:schemeClr>
+                    </a:solidFill>
+                  </a:tcPr>
+                </a:tc>
+                <a:tc>
+                  <a:txBody>
+                    <a:bodyPr/>
+                    <a:lstStyle/>
+                    <a:p>
+                      <a:pPr algn="ctr"/>
+                      <a:r>
+                        <a:rPr lang="en-US" dirty="0" smtClean="0"/>
+                        <a:t>Queue</a:t>
+                      </a:r>
+                      <a:endParaRPr lang="en-US" dirty="0"/>
+                    </a:p>
+                  </a:txBody>
+                  <a:tcPr>
+                    <a:solidFill>
+                      <a:schemeClr val="bg1">
+                        <a:lumMod val="75000"/>
+                      </a:schemeClr>
+                    </a:solidFill>
+                  </a:tcPr>
+                </a:tc>
+                <a:tc>
+                  <a:txBody>
+                    <a:bodyPr/>
+                    <a:lstStyle/>
+                    <a:p>
+                      <a:pPr algn="ctr"/>
+                      <a:endParaRPr lang="en-US" dirty="0"/>
+                    </a:p>
+                  </a:txBody>
+                  <a:tcPr>
+                    <a:solidFill>
+                      <a:schemeClr val="tx1"/>
+                    </a:solidFill>
+                  </a:tcPr>
+                </a:tc>
+                <a:tc>
+                  <a:txBody>
+                    <a:bodyPr/>
+                    <a:lstStyle/>
+                    <a:p>
+                      <a:pPr algn="ctr"/>
+                      <a:r>
+                        <a:rPr lang="en-US" dirty="0" smtClean="0"/>
+                        <a:t>Make</a:t>
+                      </a:r>
+                      <a:endParaRPr lang="en-US" dirty="0"/>
+                    </a:p>
+                  </a:txBody>
+                  <a:tcPr>
+                    <a:solidFill>
+                      <a:schemeClr val="bg1">
+                        <a:lumMod val="75000"/>
+                      </a:schemeClr>
+                    </a:solidFill>
+                  </a:tcPr>
+                </a:tc>
+                <a:extLst>
+                  <a:ext uri="{0D108BD9-81ED-4DB2-BD59-A6C34878D82A}">
+                    <a16:rowId xmlns:a16="http://schemas.microsoft.com/office/drawing/2014/main" val="2698973671"/>
+                  </a:ext>
+                </a:extLst>
+              </a:tr>
+              <a:tr h="370840">
+                <a:tc>
+                  <a:txBody>
+                    <a:bodyPr/>
+                    <a:lstStyle/>
+                    <a:p>
+                      <a:pPr algn="ctr"/>
+                      <a:r>
+                        <a:rPr lang="en-US" dirty="0" smtClean="0">
+                          <a:solidFill>
+                            <a:schemeClr val="bg1"/>
+                          </a:solidFill>
+                        </a:rPr>
+                        <a:t>R</a:t>
+                      </a:r>
+                      <a:endParaRPr lang="en-US" dirty="0">
+                        <a:solidFill>
+                          <a:schemeClr val="bg1"/>
+                        </a:solidFill>
+                      </a:endParaRPr>
+                    </a:p>
+                  </a:txBody>
+                  <a:tcPr anchor="ctr">
+                    <a:solidFill>
+                      <a:schemeClr val="tx1"/>
+                    </a:solidFill>
+                  </a:tcPr>
+                </a:tc>
+                <a:tc>
+                  <a:txBody>
+                    <a:bodyPr/>
+                    <a:lstStyle/>
+                    <a:p>
+                      <a:pPr algn="ctr"/>
+                      <a:r>
+                        <a:rPr lang="en-US" dirty="0" smtClean="0"/>
+                        <a:t>Download</a:t>
+                      </a:r>
+                      <a:endParaRPr lang="en-US" dirty="0"/>
+                    </a:p>
+                  </a:txBody>
+                  <a:tcPr>
+                    <a:solidFill>
+                      <a:schemeClr val="bg1">
+                        <a:lumMod val="75000"/>
+                      </a:schemeClr>
+                    </a:solidFill>
+                  </a:tcPr>
+                </a:tc>
+                <a:tc>
+                  <a:txBody>
+                    <a:bodyPr/>
+                    <a:lstStyle/>
+                    <a:p>
+                      <a:pPr algn="ctr"/>
+                      <a:r>
+                        <a:rPr lang="en-US" dirty="0" smtClean="0"/>
+                        <a:t>Get</a:t>
+                      </a:r>
+                      <a:endParaRPr lang="en-US" dirty="0"/>
+                    </a:p>
+                  </a:txBody>
+                  <a:tcPr>
+                    <a:solidFill>
+                      <a:schemeClr val="bg1">
+                        <a:lumMod val="75000"/>
+                      </a:schemeClr>
+                    </a:solidFill>
+                  </a:tcPr>
+                </a:tc>
+                <a:tc>
+                  <a:txBody>
+                    <a:bodyPr/>
+                    <a:lstStyle/>
+                    <a:p>
+                      <a:pPr algn="ctr"/>
+                      <a:r>
+                        <a:rPr lang="en-US" dirty="0" smtClean="0"/>
+                        <a:t>Admit</a:t>
+                      </a:r>
+                      <a:endParaRPr lang="en-US" dirty="0"/>
+                    </a:p>
+                  </a:txBody>
+                  <a:tcPr>
+                    <a:solidFill>
+                      <a:schemeClr val="bg1">
+                        <a:lumMod val="75000"/>
+                      </a:schemeClr>
+                    </a:solidFill>
+                  </a:tcPr>
+                </a:tc>
+                <a:tc>
+                  <a:txBody>
+                    <a:bodyPr/>
+                    <a:lstStyle/>
+                    <a:p>
+                      <a:pPr algn="ctr"/>
+                      <a:r>
+                        <a:rPr lang="en-US" dirty="0" smtClean="0"/>
+                        <a:t>Select</a:t>
+                      </a:r>
+                      <a:endParaRPr lang="en-US" dirty="0"/>
+                    </a:p>
+                  </a:txBody>
+                  <a:tcPr>
+                    <a:solidFill>
+                      <a:schemeClr val="bg1">
+                        <a:lumMod val="75000"/>
+                      </a:schemeClr>
+                    </a:solidFill>
+                  </a:tcPr>
+                </a:tc>
+                <a:tc>
+                  <a:txBody>
+                    <a:bodyPr/>
+                    <a:lstStyle/>
+                    <a:p>
+                      <a:pPr algn="ctr"/>
+                      <a:endParaRPr lang="en-US" dirty="0"/>
+                    </a:p>
+                  </a:txBody>
+                  <a:tcPr>
+                    <a:solidFill>
+                      <a:schemeClr val="tx1"/>
+                    </a:solidFill>
+                  </a:tcPr>
+                </a:tc>
+                <a:tc>
+                  <a:txBody>
+                    <a:bodyPr/>
+                    <a:lstStyle/>
+                    <a:p>
+                      <a:pPr algn="ctr"/>
+                      <a:r>
+                        <a:rPr lang="en-US" dirty="0" smtClean="0"/>
+                        <a:t>Execute</a:t>
+                      </a:r>
+                      <a:endParaRPr lang="en-US" dirty="0"/>
+                    </a:p>
+                  </a:txBody>
+                  <a:tcPr>
+                    <a:solidFill>
+                      <a:schemeClr val="bg1">
+                        <a:lumMod val="75000"/>
+                      </a:schemeClr>
+                    </a:solidFill>
+                  </a:tcPr>
+                </a:tc>
+                <a:tc>
+                  <a:txBody>
+                    <a:bodyPr/>
+                    <a:lstStyle/>
+                    <a:p>
+                      <a:pPr algn="ctr"/>
+                      <a:r>
+                        <a:rPr lang="en-US" dirty="0" smtClean="0"/>
+                        <a:t>Status</a:t>
+                      </a:r>
+                      <a:endParaRPr lang="en-US" dirty="0"/>
+                    </a:p>
+                  </a:txBody>
+                  <a:tcPr>
+                    <a:solidFill>
+                      <a:schemeClr val="bg1">
+                        <a:lumMod val="75000"/>
+                      </a:schemeClr>
+                    </a:solidFill>
+                  </a:tcPr>
+                </a:tc>
+                <a:tc>
+                  <a:txBody>
+                    <a:bodyPr/>
+                    <a:lstStyle/>
+                    <a:p>
+                      <a:pPr algn="ctr"/>
+                      <a:r>
+                        <a:rPr lang="en-US" dirty="0" smtClean="0"/>
+                        <a:t>Run</a:t>
+                      </a:r>
+                      <a:endParaRPr lang="en-US" dirty="0"/>
+                    </a:p>
+                  </a:txBody>
+                  <a:tcPr>
+                    <a:solidFill>
+                      <a:schemeClr val="bg1">
+                        <a:lumMod val="75000"/>
+                      </a:schemeClr>
+                    </a:solidFill>
+                  </a:tcPr>
+                </a:tc>
+                <a:tc>
+                  <a:txBody>
+                    <a:bodyPr/>
+                    <a:lstStyle/>
+                    <a:p>
+                      <a:pPr algn="ctr"/>
+                      <a:r>
+                        <a:rPr lang="en-US" dirty="0" smtClean="0"/>
+                        <a:t>Render</a:t>
+                      </a:r>
+                      <a:endParaRPr lang="en-US" dirty="0"/>
+                    </a:p>
+                  </a:txBody>
+                  <a:tcPr>
+                    <a:solidFill>
+                      <a:schemeClr val="bg1">
+                        <a:lumMod val="75000"/>
+                      </a:schemeClr>
+                    </a:solidFill>
+                  </a:tcPr>
+                </a:tc>
+                <a:extLst>
+                  <a:ext uri="{0D108BD9-81ED-4DB2-BD59-A6C34878D82A}">
+                    <a16:rowId xmlns:a16="http://schemas.microsoft.com/office/drawing/2014/main" val="286662434"/>
+                  </a:ext>
+                </a:extLst>
+              </a:tr>
+              <a:tr h="370840">
+                <a:tc>
+                  <a:txBody>
+                    <a:bodyPr/>
+                    <a:lstStyle/>
+                    <a:p>
+                      <a:pPr algn="ctr"/>
+                      <a:r>
+                        <a:rPr lang="en-US" dirty="0" smtClean="0">
+                          <a:solidFill>
+                            <a:schemeClr val="bg1"/>
+                          </a:solidFill>
+                        </a:rPr>
+                        <a:t>U</a:t>
+                      </a:r>
+                      <a:endParaRPr lang="en-US" dirty="0">
+                        <a:solidFill>
+                          <a:schemeClr val="bg1"/>
+                        </a:solidFill>
+                      </a:endParaRPr>
+                    </a:p>
+                  </a:txBody>
+                  <a:tcPr anchor="ctr">
+                    <a:solidFill>
+                      <a:schemeClr val="tx1"/>
+                    </a:solidFill>
+                  </a:tcPr>
+                </a:tc>
+                <a:tc>
+                  <a:txBody>
+                    <a:bodyPr/>
+                    <a:lstStyle/>
+                    <a:p>
+                      <a:pPr algn="ctr"/>
+                      <a:endParaRPr lang="en-US" dirty="0"/>
+                    </a:p>
+                  </a:txBody>
+                  <a:tcPr>
+                    <a:solidFill>
+                      <a:schemeClr val="tx1"/>
+                    </a:solidFill>
+                  </a:tcPr>
+                </a:tc>
+                <a:tc>
+                  <a:txBody>
+                    <a:bodyPr/>
+                    <a:lstStyle/>
+                    <a:p>
+                      <a:pPr algn="ctr"/>
+                      <a:r>
+                        <a:rPr lang="en-US" dirty="0" smtClean="0"/>
+                        <a:t>Put</a:t>
+                      </a:r>
+                      <a:endParaRPr lang="en-US" dirty="0"/>
+                    </a:p>
+                  </a:txBody>
+                  <a:tcPr>
+                    <a:solidFill>
+                      <a:schemeClr val="bg1">
+                        <a:lumMod val="75000"/>
+                      </a:schemeClr>
+                    </a:solidFill>
+                  </a:tcPr>
+                </a:tc>
+                <a:tc>
+                  <a:txBody>
+                    <a:bodyPr/>
+                    <a:lstStyle/>
+                    <a:p>
+                      <a:pPr algn="ctr"/>
+                      <a:r>
+                        <a:rPr lang="en-US" dirty="0" smtClean="0"/>
+                        <a:t>Notify</a:t>
+                      </a:r>
+                      <a:endParaRPr lang="en-US" dirty="0"/>
+                    </a:p>
+                  </a:txBody>
+                  <a:tcPr>
+                    <a:solidFill>
+                      <a:schemeClr val="bg1">
+                        <a:lumMod val="75000"/>
+                      </a:schemeClr>
+                    </a:solidFill>
+                  </a:tcPr>
+                </a:tc>
+                <a:tc>
+                  <a:txBody>
+                    <a:bodyPr/>
+                    <a:lstStyle/>
+                    <a:p>
+                      <a:pPr algn="ctr"/>
+                      <a:r>
+                        <a:rPr lang="en-US" dirty="0" smtClean="0"/>
+                        <a:t>Update</a:t>
+                      </a:r>
+                      <a:endParaRPr lang="en-US" dirty="0"/>
+                    </a:p>
+                  </a:txBody>
+                  <a:tcPr>
+                    <a:solidFill>
+                      <a:schemeClr val="bg1">
+                        <a:lumMod val="75000"/>
+                      </a:schemeClr>
+                    </a:solidFill>
+                  </a:tcPr>
+                </a:tc>
+                <a:tc>
+                  <a:txBody>
+                    <a:bodyPr/>
+                    <a:lstStyle/>
+                    <a:p>
+                      <a:pPr algn="ctr"/>
+                      <a:endParaRPr lang="en-US" dirty="0"/>
+                    </a:p>
+                  </a:txBody>
+                  <a:tcPr>
+                    <a:solidFill>
+                      <a:schemeClr val="tx1"/>
+                    </a:solidFill>
+                  </a:tcPr>
+                </a:tc>
+                <a:tc>
+                  <a:txBody>
+                    <a:bodyPr/>
+                    <a:lstStyle/>
+                    <a:p>
+                      <a:pPr algn="ctr"/>
+                      <a:r>
+                        <a:rPr lang="en-US" dirty="0" smtClean="0"/>
+                        <a:t>Step</a:t>
+                      </a:r>
+                      <a:endParaRPr lang="en-US" dirty="0"/>
+                    </a:p>
+                  </a:txBody>
+                  <a:tcPr>
+                    <a:solidFill>
+                      <a:schemeClr val="bg1">
+                        <a:lumMod val="75000"/>
+                      </a:schemeClr>
+                    </a:solidFill>
+                  </a:tcPr>
+                </a:tc>
+                <a:tc>
+                  <a:txBody>
+                    <a:bodyPr/>
+                    <a:lstStyle/>
+                    <a:p>
+                      <a:pPr algn="ctr"/>
+                      <a:r>
+                        <a:rPr lang="en-US" dirty="0" smtClean="0"/>
+                        <a:t>Halt</a:t>
+                      </a:r>
+                      <a:endParaRPr lang="en-US" dirty="0"/>
+                    </a:p>
+                  </a:txBody>
+                  <a:tcPr>
+                    <a:solidFill>
+                      <a:schemeClr val="bg1">
+                        <a:lumMod val="75000"/>
+                      </a:schemeClr>
+                    </a:solidFill>
+                  </a:tcPr>
+                </a:tc>
+                <a:tc>
+                  <a:txBody>
+                    <a:bodyPr/>
+                    <a:lstStyle/>
+                    <a:p>
+                      <a:pPr algn="ctr"/>
+                      <a:endParaRPr lang="en-US" dirty="0"/>
+                    </a:p>
+                  </a:txBody>
+                  <a:tcPr>
+                    <a:solidFill>
+                      <a:schemeClr val="tx1"/>
+                    </a:solidFill>
+                  </a:tcPr>
+                </a:tc>
+                <a:tc>
+                  <a:txBody>
+                    <a:bodyPr/>
+                    <a:lstStyle/>
+                    <a:p>
+                      <a:pPr algn="ctr"/>
+                      <a:r>
+                        <a:rPr lang="en-US" dirty="0" smtClean="0"/>
+                        <a:t>Edit</a:t>
+                      </a:r>
+                      <a:endParaRPr lang="en-US" dirty="0"/>
+                    </a:p>
+                  </a:txBody>
+                  <a:tcPr>
+                    <a:solidFill>
+                      <a:schemeClr val="bg1">
+                        <a:lumMod val="75000"/>
+                      </a:schemeClr>
+                    </a:solidFill>
+                  </a:tcPr>
+                </a:tc>
+                <a:extLst>
+                  <a:ext uri="{0D108BD9-81ED-4DB2-BD59-A6C34878D82A}">
+                    <a16:rowId xmlns:a16="http://schemas.microsoft.com/office/drawing/2014/main" val="1425738039"/>
+                  </a:ext>
+                </a:extLst>
+              </a:tr>
+              <a:tr h="370840">
+                <a:tc>
+                  <a:txBody>
+                    <a:bodyPr/>
+                    <a:lstStyle/>
+                    <a:p>
+                      <a:pPr algn="ctr"/>
+                      <a:r>
+                        <a:rPr lang="en-US" dirty="0" smtClean="0">
+                          <a:solidFill>
+                            <a:schemeClr val="bg1"/>
+                          </a:solidFill>
+                        </a:rPr>
+                        <a:t>D</a:t>
+                      </a:r>
+                      <a:endParaRPr lang="en-US" dirty="0">
+                        <a:solidFill>
+                          <a:schemeClr val="bg1"/>
+                        </a:solidFill>
+                      </a:endParaRPr>
+                    </a:p>
+                  </a:txBody>
+                  <a:tcPr anchor="ctr">
+                    <a:solidFill>
+                      <a:schemeClr val="tx1"/>
+                    </a:solidFill>
+                  </a:tcPr>
+                </a:tc>
+                <a:tc>
+                  <a:txBody>
+                    <a:bodyPr/>
+                    <a:lstStyle/>
+                    <a:p>
+                      <a:pPr algn="ctr"/>
+                      <a:endParaRPr lang="en-US" dirty="0"/>
+                    </a:p>
+                  </a:txBody>
+                  <a:tcPr>
+                    <a:solidFill>
+                      <a:schemeClr val="tx1"/>
+                    </a:solidFill>
+                  </a:tcPr>
+                </a:tc>
+                <a:tc>
+                  <a:txBody>
+                    <a:bodyPr/>
+                    <a:lstStyle/>
+                    <a:p>
+                      <a:pPr algn="ctr"/>
+                      <a:r>
+                        <a:rPr lang="en-US" dirty="0" smtClean="0"/>
+                        <a:t>Delete</a:t>
+                      </a:r>
+                      <a:endParaRPr lang="en-US" dirty="0"/>
+                    </a:p>
+                  </a:txBody>
+                  <a:tcPr>
+                    <a:solidFill>
+                      <a:schemeClr val="bg1">
+                        <a:lumMod val="75000"/>
+                      </a:schemeClr>
+                    </a:solidFill>
+                  </a:tcPr>
+                </a:tc>
+                <a:tc>
+                  <a:txBody>
+                    <a:bodyPr/>
+                    <a:lstStyle/>
+                    <a:p>
+                      <a:pPr algn="ctr"/>
+                      <a:r>
+                        <a:rPr lang="en-US" dirty="0" smtClean="0"/>
+                        <a:t>Drop</a:t>
+                      </a:r>
+                      <a:endParaRPr lang="en-US" dirty="0"/>
+                    </a:p>
+                  </a:txBody>
+                  <a:tcPr>
+                    <a:solidFill>
+                      <a:schemeClr val="bg1">
+                        <a:lumMod val="75000"/>
+                      </a:schemeClr>
+                    </a:solidFill>
+                  </a:tcPr>
+                </a:tc>
+                <a:tc>
+                  <a:txBody>
+                    <a:bodyPr/>
+                    <a:lstStyle/>
+                    <a:p>
+                      <a:pPr algn="ctr"/>
+                      <a:r>
+                        <a:rPr lang="en-US" dirty="0" smtClean="0"/>
+                        <a:t>Delete</a:t>
+                      </a:r>
+                      <a:endParaRPr lang="en-US" dirty="0"/>
+                    </a:p>
+                  </a:txBody>
+                  <a:tcPr>
+                    <a:solidFill>
+                      <a:schemeClr val="bg1">
+                        <a:lumMod val="75000"/>
+                      </a:schemeClr>
+                    </a:solidFill>
+                  </a:tcPr>
+                </a:tc>
+                <a:tc>
+                  <a:txBody>
+                    <a:bodyPr/>
+                    <a:lstStyle/>
+                    <a:p>
+                      <a:pPr algn="ctr"/>
+                      <a:endParaRPr lang="en-US" dirty="0"/>
+                    </a:p>
+                  </a:txBody>
+                  <a:tcPr>
+                    <a:solidFill>
+                      <a:schemeClr val="tx1"/>
+                    </a:solidFill>
+                  </a:tcPr>
+                </a:tc>
+                <a:tc>
+                  <a:txBody>
+                    <a:bodyPr/>
+                    <a:lstStyle/>
+                    <a:p>
+                      <a:pPr algn="ctr"/>
+                      <a:r>
+                        <a:rPr lang="en-US" dirty="0" smtClean="0"/>
+                        <a:t>Reset</a:t>
+                      </a:r>
+                      <a:endParaRPr lang="en-US" dirty="0"/>
+                    </a:p>
+                  </a:txBody>
+                  <a:tcPr>
+                    <a:solidFill>
+                      <a:schemeClr val="bg1">
+                        <a:lumMod val="75000"/>
+                      </a:schemeClr>
+                    </a:solidFill>
+                  </a:tcPr>
+                </a:tc>
+                <a:tc>
+                  <a:txBody>
+                    <a:bodyPr/>
+                    <a:lstStyle/>
+                    <a:p>
+                      <a:pPr algn="ctr"/>
+                      <a:r>
+                        <a:rPr lang="en-US" dirty="0" smtClean="0"/>
+                        <a:t>Remove</a:t>
+                      </a:r>
+                      <a:endParaRPr lang="en-US" dirty="0"/>
+                    </a:p>
+                  </a:txBody>
+                  <a:tcPr>
+                    <a:solidFill>
+                      <a:schemeClr val="bg1">
+                        <a:lumMod val="75000"/>
+                      </a:schemeClr>
+                    </a:solidFill>
+                  </a:tcPr>
+                </a:tc>
+                <a:tc>
+                  <a:txBody>
+                    <a:bodyPr/>
+                    <a:lstStyle/>
+                    <a:p>
+                      <a:pPr algn="ctr"/>
+                      <a:endParaRPr lang="en-US" dirty="0"/>
+                    </a:p>
+                  </a:txBody>
+                  <a:tcPr>
+                    <a:solidFill>
+                      <a:schemeClr val="tx1"/>
+                    </a:solidFill>
+                  </a:tcPr>
+                </a:tc>
+                <a:tc>
+                  <a:txBody>
+                    <a:bodyPr/>
+                    <a:lstStyle/>
+                    <a:p>
+                      <a:pPr algn="ctr"/>
+                      <a:r>
+                        <a:rPr lang="en-US" dirty="0" smtClean="0"/>
+                        <a:t>Delete</a:t>
+                      </a:r>
+                      <a:endParaRPr lang="en-US" dirty="0"/>
+                    </a:p>
+                  </a:txBody>
+                  <a:tcPr>
+                    <a:solidFill>
+                      <a:schemeClr val="bg1">
+                        <a:lumMod val="75000"/>
+                      </a:schemeClr>
+                    </a:solidFill>
+                  </a:tcPr>
+                </a:tc>
+                <a:extLst>
+                  <a:ext uri="{0D108BD9-81ED-4DB2-BD59-A6C34878D82A}">
+                    <a16:rowId xmlns:a16="http://schemas.microsoft.com/office/drawing/2014/main" val="3996385690"/>
+                  </a:ext>
+                </a:extLst>
+              </a:tr>
+            </a:tbl>
+          </a:graphicData>
+        </a:graphic>
+      </p:graphicFrame>
     </p:spTree>
     <p:extLst>
       <p:ext uri="{BB962C8B-B14F-4D97-AF65-F5344CB8AC3E}">
